--- a/docs/dwind_technical_potential_analysis_small.pptx
+++ b/docs/dwind_technical_potential_analysis_small.pptx
@@ -214,7 +214,7 @@
             <a:fld id="{B376CFEB-F550-4D62-BF2B-5D5CD8BA2F55}" type="datetimeFigureOut">
               <a:rPr lang="en-US" smtClean="0"/>
               <a:pPr/>
-              <a:t>5/6/16</a:t>
+              <a:t>5/9/16</a:t>
             </a:fld>
             <a:endParaRPr lang="en-US" dirty="0"/>
           </a:p>
@@ -4778,8 +4778,17 @@
           <a:p>
             <a:r>
               <a:rPr lang="en-US" dirty="0" smtClean="0"/>
-              <a:t>No constraints are applied to account for inter-turbine (e.g., wake) effects</a:t>
-            </a:r>
+              <a:t>The only constraint applied to account for inter-turbine (e.g., wake) effects is the 3 MW/km</a:t>
+            </a:r>
+            <a:r>
+              <a:rPr lang="en-US" baseline="30000" dirty="0" smtClean="0"/>
+              <a:t>2</a:t>
+            </a:r>
+            <a:r>
+              <a:rPr lang="en-US" dirty="0" smtClean="0"/>
+              <a:t> density limit</a:t>
+            </a:r>
+            <a:endParaRPr lang="en-US" dirty="0" smtClean="0"/>
           </a:p>
           <a:p>
             <a:endParaRPr lang="en-US" dirty="0"/>
@@ -7297,7 +7306,7 @@
           <a:graphicData uri="http://schemas.openxmlformats.org/presentationml/2006/ole">
             <mc:AlternateContent xmlns:mc="http://schemas.openxmlformats.org/markup-compatibility/2006">
               <mc:Choice xmlns:v="urn:schemas-microsoft-com:vml" Requires="v">
-                <p:oleObj spid="_x0000_s1132" name="Document" r:id="rId3" imgW="5486400" imgH="431800" progId="Word.Document.12">
+                <p:oleObj spid="_x0000_s1139" name="Document" r:id="rId3" imgW="5486400" imgH="431800" progId="Word.Document.12">
                   <p:embed/>
                 </p:oleObj>
               </mc:Choice>
@@ -7354,7 +7363,7 @@
           <a:graphicData uri="http://schemas.openxmlformats.org/presentationml/2006/ole">
             <mc:AlternateContent xmlns:mc="http://schemas.openxmlformats.org/markup-compatibility/2006">
               <mc:Choice xmlns:v="urn:schemas-microsoft-com:vml" Requires="v">
-                <p:oleObj spid="_x0000_s1133" name="Document" r:id="rId5" imgW="5486400" imgH="177800" progId="Word.Document.12">
+                <p:oleObj spid="_x0000_s1140" name="Document" r:id="rId5" imgW="5486400" imgH="177800" progId="Word.Document.12">
                   <p:embed/>
                 </p:oleObj>
               </mc:Choice>
@@ -7411,7 +7420,7 @@
           <a:graphicData uri="http://schemas.openxmlformats.org/presentationml/2006/ole">
             <mc:AlternateContent xmlns:mc="http://schemas.openxmlformats.org/markup-compatibility/2006">
               <mc:Choice xmlns:v="urn:schemas-microsoft-com:vml" Requires="v">
-                <p:oleObj spid="_x0000_s1134" name="Document" r:id="rId7" imgW="5486400" imgH="381000" progId="Word.Document.12">
+                <p:oleObj spid="_x0000_s1141" name="Document" r:id="rId7" imgW="5486400" imgH="381000" progId="Word.Document.12">
                   <p:embed/>
                 </p:oleObj>
               </mc:Choice>
@@ -8078,7 +8087,7 @@
         <p:spPr/>
         <p:txBody>
           <a:bodyPr>
-            <a:normAutofit fontScale="85000" lnSpcReduction="20000"/>
+            <a:normAutofit fontScale="77500" lnSpcReduction="20000"/>
           </a:bodyPr>
           <a:lstStyle/>
           <a:p>
@@ -8118,7 +8127,11 @@
             </a:pPr>
             <a:r>
               <a:rPr lang="en-US" dirty="0" smtClean="0"/>
-              <a:t>Identify turbine models (hub height and system size) that can be sited in each Block, given blade height constraints and turbine blade heights</a:t>
+              <a:t>Identify potential </a:t>
+            </a:r>
+            <a:r>
+              <a:rPr lang="en-US" dirty="0" smtClean="0"/>
+              <a:t>turbine models (hub height and system size) that can be sited in each Block, given blade height constraints and turbine blade heights</a:t>
             </a:r>
           </a:p>
           <a:p>
@@ -8136,20 +8149,48 @@
             </a:r>
             <a:r>
               <a:rPr lang="en-US" dirty="0" smtClean="0"/>
-              <a:t>Block to maximize annual energy production</a:t>
+              <a:t>Block to maximize annual energy </a:t>
+            </a:r>
+            <a:r>
+              <a:rPr lang="en-US" dirty="0" smtClean="0"/>
+              <a:t>production</a:t>
             </a:r>
           </a:p>
           <a:p>
             <a:pPr marL="914400" lvl="1" indent="-514350"/>
             <a:r>
               <a:rPr lang="en-US" dirty="0" smtClean="0"/>
-              <a:t>Annual energy production based on current technology power curves from </a:t>
+              <a:t>Annual </a:t>
+            </a:r>
+            <a:r>
+              <a:rPr lang="en-US" dirty="0" smtClean="0"/>
+              <a:t>energy production based on current technology power curves from </a:t>
             </a:r>
             <a:r>
               <a:rPr lang="en-US" dirty="0" err="1" smtClean="0"/>
               <a:t>dWind</a:t>
             </a:r>
-            <a:endParaRPr lang="en-US" dirty="0"/>
+            <a:endParaRPr lang="en-US" dirty="0" smtClean="0"/>
+          </a:p>
+          <a:p>
+            <a:pPr marL="914400" lvl="1" indent="-514350"/>
+            <a:r>
+              <a:rPr lang="en-US" dirty="0" smtClean="0"/>
+              <a:t>Assumed each parcel in the Block installs one </a:t>
+            </a:r>
+            <a:r>
+              <a:rPr lang="en-US" smtClean="0"/>
+              <a:t>turbine (matching </a:t>
+            </a:r>
+            <a:r>
+              <a:rPr lang="en-US" dirty="0" smtClean="0"/>
+              <a:t>the </a:t>
+            </a:r>
+            <a:r>
+              <a:rPr lang="en-US" smtClean="0"/>
+              <a:t>optimal model)</a:t>
+            </a:r>
+            <a:endParaRPr lang="en-US" dirty="0" smtClean="0"/>
           </a:p>
           <a:p>
             <a:pPr marL="514350" indent="-514350">
@@ -8158,7 +8199,11 @@
             </a:pPr>
             <a:r>
               <a:rPr lang="en-US" dirty="0" smtClean="0"/>
-              <a:t>For Blocks with large power densities, cap system counts and capacities to 3 MW/km</a:t>
+              <a:t>For </a:t>
+            </a:r>
+            <a:r>
+              <a:rPr lang="en-US" dirty="0" smtClean="0"/>
+              <a:t>Blocks with large power densities, cap system counts and capacities to 3 MW/km</a:t>
             </a:r>
             <a:r>
               <a:rPr lang="en-US" baseline="30000" dirty="0" smtClean="0"/>
